--- a/PINN_presentation.pptx
+++ b/PINN_presentation.pptx
@@ -224,7 +224,7 @@
           <a:p>
             <a:fld id="{30012786-B68D-194B-9851-6F01D6730E7E}" type="datetimeFigureOut">
               <a:rPr lang="en-US" smtClean="0"/>
-              <a:t>4/24/25</a:t>
+              <a:t>7/7/25</a:t>
             </a:fld>
             <a:endParaRPr lang="en-US"/>
           </a:p>
@@ -866,7 +866,7 @@
           <a:p>
             <a:fld id="{B389FA2E-C303-4F63-AE6B-4C5D98419F56}" type="datetime1">
               <a:rPr lang="en-US" smtClean="0"/>
-              <a:t>4/24/25</a:t>
+              <a:t>7/7/25</a:t>
             </a:fld>
             <a:endParaRPr lang="en-US"/>
           </a:p>
@@ -1074,7 +1074,7 @@
           <a:p>
             <a:fld id="{EF8CEDEA-6B5F-42E3-8404-4D808F24C050}" type="datetime1">
               <a:rPr lang="en-US" smtClean="0"/>
-              <a:t>4/24/25</a:t>
+              <a:t>7/7/25</a:t>
             </a:fld>
             <a:endParaRPr lang="en-US"/>
           </a:p>
@@ -2106,7 +2106,7 @@
           <a:p>
             <a:fld id="{DE72EF48-9EC9-4D64-B8B1-66509736220E}" type="datetime1">
               <a:rPr lang="en-US" smtClean="0"/>
-              <a:t>4/24/25</a:t>
+              <a:t>7/7/25</a:t>
             </a:fld>
             <a:endParaRPr lang="en-US"/>
           </a:p>
@@ -2518,7 +2518,7 @@
           <a:p>
             <a:fld id="{149B2486-3403-4A9F-8919-C754C46C58DC}" type="datetime1">
               <a:rPr lang="en-US" smtClean="0"/>
-              <a:t>4/24/25</a:t>
+              <a:t>7/7/25</a:t>
             </a:fld>
             <a:endParaRPr lang="en-US"/>
           </a:p>
@@ -2659,7 +2659,7 @@
           <a:p>
             <a:fld id="{B8BEB36E-D1D7-404A-BD6A-75C171ECB795}" type="datetime1">
               <a:rPr lang="en-US" smtClean="0"/>
-              <a:t>4/24/25</a:t>
+              <a:t>7/7/25</a:t>
             </a:fld>
             <a:endParaRPr lang="en-US"/>
           </a:p>
@@ -2772,7 +2772,7 @@
           <a:p>
             <a:fld id="{71D3C6E6-169F-4063-B599-7C27D19E08EF}" type="datetime1">
               <a:rPr lang="en-US" smtClean="0"/>
-              <a:t>4/24/25</a:t>
+              <a:t>7/7/25</a:t>
             </a:fld>
             <a:endParaRPr lang="en-US"/>
           </a:p>
@@ -3083,7 +3083,7 @@
           <a:p>
             <a:fld id="{F8F991B0-9705-4BCF-9F61-30733382C6AB}" type="datetime1">
               <a:rPr lang="en-US" smtClean="0"/>
-              <a:t>4/24/25</a:t>
+              <a:t>7/7/25</a:t>
             </a:fld>
             <a:endParaRPr lang="en-US"/>
           </a:p>
@@ -3374,7 +3374,7 @@
           <a:p>
             <a:fld id="{B122781B-5CB6-46C0-8970-B89EEBBD16F8}" type="datetime1">
               <a:rPr lang="en-US" smtClean="0"/>
-              <a:t>4/24/25</a:t>
+              <a:t>7/7/25</a:t>
             </a:fld>
             <a:endParaRPr lang="en-US"/>
           </a:p>
@@ -3615,7 +3615,7 @@
           <a:p>
             <a:fld id="{86E4D7D4-74BD-4DA3-A0A0-1C0A711866D8}" type="datetime1">
               <a:rPr lang="en-US" smtClean="0"/>
-              <a:t>4/24/25</a:t>
+              <a:t>7/7/25</a:t>
             </a:fld>
             <a:endParaRPr lang="en-US"/>
           </a:p>
@@ -8072,33 +8072,6 @@
               </a:rPr>
               <a:t>Output – futures price </a:t>
             </a:r>
-          </a:p>
-          <a:p>
-            <a:pPr marL="971550" lvl="1" indent="-514350">
-              <a:lnSpc>
-                <a:spcPct val="120000"/>
-              </a:lnSpc>
-              <a:buFont typeface="+mj-lt"/>
-              <a:buAutoNum type="arabicPeriod"/>
-            </a:pPr>
-            <a:r>
-              <a:rPr lang="en-US" dirty="0">
-                <a:latin typeface="+mj-lt"/>
-              </a:rPr>
-              <a:t>Validation – train-test split</a:t>
-            </a:r>
-          </a:p>
-          <a:p>
-            <a:pPr marL="971550" lvl="1" indent="-514350">
-              <a:lnSpc>
-                <a:spcPct val="120000"/>
-              </a:lnSpc>
-              <a:buFont typeface="+mj-lt"/>
-              <a:buAutoNum type="arabicPeriod"/>
-            </a:pPr>
-            <a:endParaRPr lang="en-US" dirty="0">
-              <a:latin typeface="+mj-lt"/>
-            </a:endParaRPr>
           </a:p>
         </p:txBody>
       </p:sp>
@@ -10851,6 +10824,15 @@
 </file>
 
 <file path=customXml/item1.xml><?xml version="1.0" encoding="utf-8"?>
+<?mso-contentType ?>
+<FormTemplates xmlns="http://schemas.microsoft.com/sharepoint/v3/contenttype/forms">
+  <Display>DocumentLibraryForm</Display>
+  <Edit>DocumentLibraryForm</Edit>
+  <New>DocumentLibraryForm</New>
+</FormTemplates>
+</file>
+
+<file path=customXml/item2.xml><?xml version="1.0" encoding="utf-8"?>
 <ct:contentTypeSchema xmlns:ct="http://schemas.microsoft.com/office/2006/metadata/contentType" xmlns:ma="http://schemas.microsoft.com/office/2006/metadata/properties/metaAttributes" ct:_="" ma:_="" ma:contentTypeName="Document" ma:contentTypeID="0x0101000BAABF73DC9C404284278D8980A83785" ma:contentTypeVersion="16" ma:contentTypeDescription="Create a new document." ma:contentTypeScope="" ma:versionID="49ccc3f2420885339d5adf094a6b7f94">
   <xsd:schema xmlns:xsd="http://www.w3.org/2001/XMLSchema" xmlns:xs="http://www.w3.org/2001/XMLSchema" xmlns:p="http://schemas.microsoft.com/office/2006/metadata/properties" xmlns:ns3="40188ae0-0cf9-4d28-8151-9284d740e569" xmlns:ns4="af9a0b7c-c7dd-48c4-b55c-8830117c3066" targetNamespace="http://schemas.microsoft.com/office/2006/metadata/properties" ma:root="true" ma:fieldsID="c9bc01549c9de6178a902b69e600552b" ns3:_="" ns4:_="">
     <xsd:import namespace="40188ae0-0cf9-4d28-8151-9284d740e569"/>
@@ -11089,15 +11071,6 @@
 </ct:contentTypeSchema>
 </file>
 
-<file path=customXml/item2.xml><?xml version="1.0" encoding="utf-8"?>
-<?mso-contentType ?>
-<FormTemplates xmlns="http://schemas.microsoft.com/sharepoint/v3/contenttype/forms">
-  <Display>DocumentLibraryForm</Display>
-  <Edit>DocumentLibraryForm</Edit>
-  <New>DocumentLibraryForm</New>
-</FormTemplates>
-</file>
-
 <file path=customXml/item3.xml><?xml version="1.0" encoding="utf-8"?>
 <p:properties xmlns:p="http://schemas.microsoft.com/office/2006/metadata/properties" xmlns:xsi="http://www.w3.org/2001/XMLSchema-instance" xmlns:pc="http://schemas.microsoft.com/office/infopath/2007/PartnerControls">
   <documentManagement>
@@ -11107,6 +11080,14 @@
 </file>
 
 <file path=customXml/itemProps1.xml><?xml version="1.0" encoding="utf-8"?>
+<ds:datastoreItem xmlns:ds="http://schemas.openxmlformats.org/officeDocument/2006/customXml" ds:itemID="{FA1B5C58-F0DE-4161-9CE8-76BFC8404DE9}">
+  <ds:schemaRefs>
+    <ds:schemaRef ds:uri="http://schemas.microsoft.com/sharepoint/v3/contenttype/forms"/>
+  </ds:schemaRefs>
+</ds:datastoreItem>
+</file>
+
+<file path=customXml/itemProps2.xml><?xml version="1.0" encoding="utf-8"?>
 <ds:datastoreItem xmlns:ds="http://schemas.openxmlformats.org/officeDocument/2006/customXml" ds:itemID="{992FB68B-BE50-4495-AE78-7C3A6AED8423}">
   <ds:schemaRefs>
     <ds:schemaRef ds:uri="40188ae0-0cf9-4d28-8151-9284d740e569"/>
@@ -11121,14 +11102,6 @@
     <ds:schemaRef ds:uri="http://schemas.microsoft.com/office/infopath/2007/PartnerControls"/>
     <ds:schemaRef ds:uri="http://schemas.openxmlformats.org/package/2006/metadata/core-properties"/>
     <ds:schemaRef ds:uri="http://www.w3.org/2001/XMLSchema"/>
-  </ds:schemaRefs>
-</ds:datastoreItem>
-</file>
-
-<file path=customXml/itemProps2.xml><?xml version="1.0" encoding="utf-8"?>
-<ds:datastoreItem xmlns:ds="http://schemas.openxmlformats.org/officeDocument/2006/customXml" ds:itemID="{FA1B5C58-F0DE-4161-9CE8-76BFC8404DE9}">
-  <ds:schemaRefs>
-    <ds:schemaRef ds:uri="http://schemas.microsoft.com/sharepoint/v3/contenttype/forms"/>
   </ds:schemaRefs>
 </ds:datastoreItem>
 </file>

--- a/PINN_presentation.pptx
+++ b/PINN_presentation.pptx
@@ -9340,10 +9340,10 @@
       </p:sp>
       <p:pic>
         <p:nvPicPr>
-          <p:cNvPr id="2" name="Picture 1">
-            <a:extLst>
-              <a:ext uri="{FF2B5EF4-FFF2-40B4-BE49-F238E27FC236}">
-                <a16:creationId xmlns:a16="http://schemas.microsoft.com/office/drawing/2014/main" id="{8EC6624C-36C8-1755-7C21-3A55962D2E95}"/>
+          <p:cNvPr id="7" name="Picture 6">
+            <a:extLst>
+              <a:ext uri="{FF2B5EF4-FFF2-40B4-BE49-F238E27FC236}">
+                <a16:creationId xmlns:a16="http://schemas.microsoft.com/office/drawing/2014/main" id="{3B52637D-ADEF-62C1-509C-14780BF8E641}"/>
               </a:ext>
             </a:extLst>
           </p:cNvPr>
@@ -9360,8 +9360,8 @@
         </p:blipFill>
         <p:spPr>
           <a:xfrm>
-            <a:off x="572008" y="1106150"/>
-            <a:ext cx="5523992" cy="4914448"/>
+            <a:off x="707400" y="1097682"/>
+            <a:ext cx="5112602" cy="4972050"/>
           </a:xfrm>
           <a:prstGeom prst="rect">
             <a:avLst/>
@@ -9370,10 +9370,10 @@
       </p:pic>
       <p:pic>
         <p:nvPicPr>
-          <p:cNvPr id="6" name="Picture 5">
-            <a:extLst>
-              <a:ext uri="{FF2B5EF4-FFF2-40B4-BE49-F238E27FC236}">
-                <a16:creationId xmlns:a16="http://schemas.microsoft.com/office/drawing/2014/main" id="{39910F5E-B6EA-9D5F-19B6-53A5DA691888}"/>
+          <p:cNvPr id="9" name="Picture 8">
+            <a:extLst>
+              <a:ext uri="{FF2B5EF4-FFF2-40B4-BE49-F238E27FC236}">
+                <a16:creationId xmlns:a16="http://schemas.microsoft.com/office/drawing/2014/main" id="{A9E3FAE1-F517-7711-B854-0B096754E3C8}"/>
               </a:ext>
             </a:extLst>
           </p:cNvPr>
@@ -9390,8 +9390,8 @@
         </p:blipFill>
         <p:spPr>
           <a:xfrm>
-            <a:off x="6234578" y="1106150"/>
-            <a:ext cx="5523992" cy="4914448"/>
+            <a:off x="6371998" y="1097682"/>
+            <a:ext cx="5112602" cy="4972050"/>
           </a:xfrm>
           <a:prstGeom prst="rect">
             <a:avLst/>
@@ -10824,12 +10824,11 @@
 </file>
 
 <file path=customXml/item1.xml><?xml version="1.0" encoding="utf-8"?>
-<?mso-contentType ?>
-<FormTemplates xmlns="http://schemas.microsoft.com/sharepoint/v3/contenttype/forms">
-  <Display>DocumentLibraryForm</Display>
-  <Edit>DocumentLibraryForm</Edit>
-  <New>DocumentLibraryForm</New>
-</FormTemplates>
+<p:properties xmlns:p="http://schemas.microsoft.com/office/2006/metadata/properties" xmlns:xsi="http://www.w3.org/2001/XMLSchema-instance" xmlns:pc="http://schemas.microsoft.com/office/infopath/2007/PartnerControls">
+  <documentManagement>
+    <_activity xmlns="40188ae0-0cf9-4d28-8151-9284d740e569" xsi:nil="true"/>
+  </documentManagement>
+</p:properties>
 </file>
 
 <file path=customXml/item2.xml><?xml version="1.0" encoding="utf-8"?>
@@ -11072,17 +11071,27 @@
 </file>
 
 <file path=customXml/item3.xml><?xml version="1.0" encoding="utf-8"?>
-<p:properties xmlns:p="http://schemas.microsoft.com/office/2006/metadata/properties" xmlns:xsi="http://www.w3.org/2001/XMLSchema-instance" xmlns:pc="http://schemas.microsoft.com/office/infopath/2007/PartnerControls">
-  <documentManagement>
-    <_activity xmlns="40188ae0-0cf9-4d28-8151-9284d740e569" xsi:nil="true"/>
-  </documentManagement>
-</p:properties>
+<?mso-contentType ?>
+<FormTemplates xmlns="http://schemas.microsoft.com/sharepoint/v3/contenttype/forms">
+  <Display>DocumentLibraryForm</Display>
+  <Edit>DocumentLibraryForm</Edit>
+  <New>DocumentLibraryForm</New>
+</FormTemplates>
 </file>
 
 <file path=customXml/itemProps1.xml><?xml version="1.0" encoding="utf-8"?>
-<ds:datastoreItem xmlns:ds="http://schemas.openxmlformats.org/officeDocument/2006/customXml" ds:itemID="{FA1B5C58-F0DE-4161-9CE8-76BFC8404DE9}">
+<ds:datastoreItem xmlns:ds="http://schemas.openxmlformats.org/officeDocument/2006/customXml" ds:itemID="{C0CE5B35-784C-48FD-B203-7B0ADDE660C2}">
   <ds:schemaRefs>
-    <ds:schemaRef ds:uri="http://schemas.microsoft.com/sharepoint/v3/contenttype/forms"/>
+    <ds:schemaRef ds:uri="40188ae0-0cf9-4d28-8151-9284d740e569"/>
+    <ds:schemaRef ds:uri="http://schemas.microsoft.com/office/2006/documentManagement/types"/>
+    <ds:schemaRef ds:uri="http://purl.org/dc/elements/1.1/"/>
+    <ds:schemaRef ds:uri="http://purl.org/dc/dcmitype/"/>
+    <ds:schemaRef ds:uri="http://schemas.microsoft.com/office/2006/metadata/properties"/>
+    <ds:schemaRef ds:uri="http://purl.org/dc/terms/"/>
+    <ds:schemaRef ds:uri="http://schemas.microsoft.com/office/infopath/2007/PartnerControls"/>
+    <ds:schemaRef ds:uri="af9a0b7c-c7dd-48c4-b55c-8830117c3066"/>
+    <ds:schemaRef ds:uri="http://schemas.openxmlformats.org/package/2006/metadata/core-properties"/>
+    <ds:schemaRef ds:uri="http://www.w3.org/XML/1998/namespace"/>
   </ds:schemaRefs>
 </ds:datastoreItem>
 </file>
@@ -11107,18 +11116,9 @@
 </file>
 
 <file path=customXml/itemProps3.xml><?xml version="1.0" encoding="utf-8"?>
-<ds:datastoreItem xmlns:ds="http://schemas.openxmlformats.org/officeDocument/2006/customXml" ds:itemID="{C0CE5B35-784C-48FD-B203-7B0ADDE660C2}">
+<ds:datastoreItem xmlns:ds="http://schemas.openxmlformats.org/officeDocument/2006/customXml" ds:itemID="{FA1B5C58-F0DE-4161-9CE8-76BFC8404DE9}">
   <ds:schemaRefs>
-    <ds:schemaRef ds:uri="40188ae0-0cf9-4d28-8151-9284d740e569"/>
-    <ds:schemaRef ds:uri="http://schemas.microsoft.com/office/2006/documentManagement/types"/>
-    <ds:schemaRef ds:uri="http://purl.org/dc/elements/1.1/"/>
-    <ds:schemaRef ds:uri="http://purl.org/dc/dcmitype/"/>
-    <ds:schemaRef ds:uri="http://schemas.microsoft.com/office/2006/metadata/properties"/>
-    <ds:schemaRef ds:uri="http://purl.org/dc/terms/"/>
-    <ds:schemaRef ds:uri="http://schemas.microsoft.com/office/infopath/2007/PartnerControls"/>
-    <ds:schemaRef ds:uri="af9a0b7c-c7dd-48c4-b55c-8830117c3066"/>
-    <ds:schemaRef ds:uri="http://schemas.openxmlformats.org/package/2006/metadata/core-properties"/>
-    <ds:schemaRef ds:uri="http://www.w3.org/XML/1998/namespace"/>
+    <ds:schemaRef ds:uri="http://schemas.microsoft.com/sharepoint/v3/contenttype/forms"/>
   </ds:schemaRefs>
 </ds:datastoreItem>
 </file>